--- a/Lab 2/Lab 2 - presentation.pptx
+++ b/Lab 2/Lab 2 - presentation.pptx
@@ -14,9 +14,9 @@
     <p:sldId id="258" r:id="rId8"/>
     <p:sldId id="259" r:id="rId9"/>
     <p:sldId id="271" r:id="rId10"/>
-    <p:sldId id="263" r:id="rId11"/>
-    <p:sldId id="262" r:id="rId12"/>
-    <p:sldId id="264" r:id="rId13"/>
+    <p:sldId id="272" r:id="rId11"/>
+    <p:sldId id="273" r:id="rId12"/>
+    <p:sldId id="274" r:id="rId13"/>
     <p:sldId id="265" r:id="rId14"/>
   </p:sldIdLst>
   <p:sldSz cx="12192000" cy="6858000"/>
@@ -127,7 +127,6 @@
 <file path=ppt/revisionInfo.xml><?xml version="1.0" encoding="utf-8"?>
 <p1510:revInfo xmlns:a="http://schemas.openxmlformats.org/drawingml/2006/main" xmlns:r="http://schemas.openxmlformats.org/officeDocument/2006/relationships" xmlns:p1510="http://schemas.microsoft.com/office/powerpoint/2015/10/main">
   <p1510:revLst>
-    <p1510:client id="{955445CC-B49E-44CD-B4CB-5BAC92870AA8}" v="13" dt="2019-10-09T10:09:55.852"/>
     <p1510:client id="{F5C4D789-79BD-4735-80BF-948E53497136}" v="197" dt="2019-10-10T00:23:54.319"/>
   </p1510:revLst>
 </p1510:revInfo>
@@ -957,6 +956,38 @@
     </pc:docChg>
   </pc:docChgLst>
   <pc:docChgLst>
+    <pc:chgData name="Franco Ruggeri" userId="f8fb41c0b3afb4f0" providerId="LiveId" clId="{91284456-B732-4D55-8327-55814796A3F8}"/>
+    <pc:docChg chg="custSel modSld">
+      <pc:chgData name="Franco Ruggeri" userId="f8fb41c0b3afb4f0" providerId="LiveId" clId="{91284456-B732-4D55-8327-55814796A3F8}" dt="2019-10-10T12:20:35.321" v="1" actId="1076"/>
+      <pc:docMkLst>
+        <pc:docMk/>
+      </pc:docMkLst>
+      <pc:sldChg chg="delSp modSp">
+        <pc:chgData name="Franco Ruggeri" userId="f8fb41c0b3afb4f0" providerId="LiveId" clId="{91284456-B732-4D55-8327-55814796A3F8}" dt="2019-10-10T12:20:35.321" v="1" actId="1076"/>
+        <pc:sldMkLst>
+          <pc:docMk/>
+          <pc:sldMk cId="1719672851" sldId="272"/>
+        </pc:sldMkLst>
+        <pc:spChg chg="del">
+          <ac:chgData name="Franco Ruggeri" userId="f8fb41c0b3afb4f0" providerId="LiveId" clId="{91284456-B732-4D55-8327-55814796A3F8}" dt="2019-10-10T12:20:30.139" v="0" actId="478"/>
+          <ac:spMkLst>
+            <pc:docMk/>
+            <pc:sldMk cId="1719672851" sldId="272"/>
+            <ac:spMk id="10" creationId="{CD86020C-737B-4364-912B-154E76D28C7A}"/>
+          </ac:spMkLst>
+        </pc:spChg>
+        <pc:picChg chg="mod">
+          <ac:chgData name="Franco Ruggeri" userId="f8fb41c0b3afb4f0" providerId="LiveId" clId="{91284456-B732-4D55-8327-55814796A3F8}" dt="2019-10-10T12:20:35.321" v="1" actId="1076"/>
+          <ac:picMkLst>
+            <pc:docMk/>
+            <pc:sldMk cId="1719672851" sldId="272"/>
+            <ac:picMk id="5" creationId="{00C91B6F-320B-460F-AA85-4021DA44279C}"/>
+          </ac:picMkLst>
+        </pc:picChg>
+      </pc:sldChg>
+    </pc:docChg>
+  </pc:docChgLst>
+  <pc:docChgLst>
     <pc:chgData name="Alessandro Iucci" userId="84c7e91a124b25e9" providerId="LiveId" clId="{955445CC-B49E-44CD-B4CB-5BAC92870AA8}"/>
     <pc:docChg chg="custSel mod addSld modSld">
       <pc:chgData name="Alessandro Iucci" userId="84c7e91a124b25e9" providerId="LiveId" clId="{955445CC-B49E-44CD-B4CB-5BAC92870AA8}" dt="2019-10-09T10:10:47.873" v="711" actId="20577"/>
@@ -1259,7 +1290,7 @@
           <a:p>
             <a:fld id="{3F2C29EC-BF13-463C-A228-A8B1DC07216B}" type="slidenum">
               <a:rPr lang="en-GB" smtClean="0"/>
-              <a:t>‹N›</a:t>
+              <a:t>‹#›</a:t>
             </a:fld>
             <a:endParaRPr lang="en-GB" dirty="0"/>
           </a:p>
@@ -1516,7 +1547,7 @@
           <a:p>
             <a:fld id="{3F2C29EC-BF13-463C-A228-A8B1DC07216B}" type="slidenum">
               <a:rPr lang="en-GB" smtClean="0"/>
-              <a:t>‹N›</a:t>
+              <a:t>‹#›</a:t>
             </a:fld>
             <a:endParaRPr lang="en-GB" dirty="0"/>
           </a:p>
@@ -1757,7 +1788,7 @@
           <a:p>
             <a:fld id="{3F2C29EC-BF13-463C-A228-A8B1DC07216B}" type="slidenum">
               <a:rPr lang="en-GB" smtClean="0"/>
-              <a:t>‹N›</a:t>
+              <a:t>‹#›</a:t>
             </a:fld>
             <a:endParaRPr lang="en-GB" dirty="0"/>
           </a:p>
@@ -2067,7 +2098,7 @@
           <a:p>
             <a:fld id="{3F2C29EC-BF13-463C-A228-A8B1DC07216B}" type="slidenum">
               <a:rPr lang="en-GB" smtClean="0"/>
-              <a:t>‹N›</a:t>
+              <a:t>‹#›</a:t>
             </a:fld>
             <a:endParaRPr lang="en-GB" dirty="0"/>
           </a:p>
@@ -2540,7 +2571,7 @@
           <a:p>
             <a:fld id="{3F2C29EC-BF13-463C-A228-A8B1DC07216B}" type="slidenum">
               <a:rPr lang="en-GB" smtClean="0"/>
-              <a:t>‹N›</a:t>
+              <a:t>‹#›</a:t>
             </a:fld>
             <a:endParaRPr lang="en-GB" dirty="0"/>
           </a:p>
@@ -3077,7 +3108,7 @@
           <a:p>
             <a:fld id="{3F2C29EC-BF13-463C-A228-A8B1DC07216B}" type="slidenum">
               <a:rPr lang="en-GB" smtClean="0"/>
-              <a:t>‹N›</a:t>
+              <a:t>‹#›</a:t>
             </a:fld>
             <a:endParaRPr lang="en-GB" dirty="0"/>
           </a:p>
@@ -3851,7 +3882,7 @@
           <a:p>
             <a:fld id="{3F2C29EC-BF13-463C-A228-A8B1DC07216B}" type="slidenum">
               <a:rPr lang="en-GB" smtClean="0"/>
-              <a:t>‹N›</a:t>
+              <a:t>‹#›</a:t>
             </a:fld>
             <a:endParaRPr lang="en-GB" dirty="0"/>
           </a:p>
@@ -4026,7 +4057,7 @@
           <a:p>
             <a:fld id="{3F2C29EC-BF13-463C-A228-A8B1DC07216B}" type="slidenum">
               <a:rPr lang="en-GB" smtClean="0"/>
-              <a:t>‹N›</a:t>
+              <a:t>‹#›</a:t>
             </a:fld>
             <a:endParaRPr lang="en-GB" dirty="0"/>
           </a:p>
@@ -4259,7 +4290,7 @@
           <a:p>
             <a:fld id="{3F2C29EC-BF13-463C-A228-A8B1DC07216B}" type="slidenum">
               <a:rPr lang="en-GB" smtClean="0"/>
-              <a:t>‹N›</a:t>
+              <a:t>‹#›</a:t>
             </a:fld>
             <a:endParaRPr lang="en-GB" dirty="0"/>
           </a:p>
@@ -4429,7 +4460,7 @@
           <a:p>
             <a:fld id="{3F2C29EC-BF13-463C-A228-A8B1DC07216B}" type="slidenum">
               <a:rPr lang="en-GB" smtClean="0"/>
-              <a:t>‹N›</a:t>
+              <a:t>‹#›</a:t>
             </a:fld>
             <a:endParaRPr lang="en-GB" dirty="0"/>
           </a:p>
@@ -4728,7 +4759,7 @@
           <a:p>
             <a:fld id="{3F2C29EC-BF13-463C-A228-A8B1DC07216B}" type="slidenum">
               <a:rPr lang="en-GB" smtClean="0"/>
-              <a:t>‹N›</a:t>
+              <a:t>‹#›</a:t>
             </a:fld>
             <a:endParaRPr lang="en-GB" dirty="0"/>
           </a:p>
@@ -4960,7 +4991,7 @@
           <a:p>
             <a:fld id="{3F2C29EC-BF13-463C-A228-A8B1DC07216B}" type="slidenum">
               <a:rPr lang="en-GB" smtClean="0"/>
-              <a:t>‹N›</a:t>
+              <a:t>‹#›</a:t>
             </a:fld>
             <a:endParaRPr lang="en-GB" dirty="0"/>
           </a:p>
@@ -5339,7 +5370,7 @@
           <a:p>
             <a:fld id="{3F2C29EC-BF13-463C-A228-A8B1DC07216B}" type="slidenum">
               <a:rPr lang="en-GB" smtClean="0"/>
-              <a:t>‹N›</a:t>
+              <a:t>‹#›</a:t>
             </a:fld>
             <a:endParaRPr lang="en-GB" dirty="0"/>
           </a:p>
@@ -5457,7 +5488,7 @@
           <a:p>
             <a:fld id="{3F2C29EC-BF13-463C-A228-A8B1DC07216B}" type="slidenum">
               <a:rPr lang="en-GB" smtClean="0"/>
-              <a:t>‹N›</a:t>
+              <a:t>‹#›</a:t>
             </a:fld>
             <a:endParaRPr lang="en-GB" dirty="0"/>
           </a:p>
@@ -5552,7 +5583,7 @@
           <a:p>
             <a:fld id="{3F2C29EC-BF13-463C-A228-A8B1DC07216B}" type="slidenum">
               <a:rPr lang="en-GB" smtClean="0"/>
-              <a:t>‹N›</a:t>
+              <a:t>‹#›</a:t>
             </a:fld>
             <a:endParaRPr lang="en-GB" dirty="0"/>
           </a:p>
@@ -5801,7 +5832,7 @@
           <a:p>
             <a:fld id="{3F2C29EC-BF13-463C-A228-A8B1DC07216B}" type="slidenum">
               <a:rPr lang="en-GB" smtClean="0"/>
-              <a:t>‹N›</a:t>
+              <a:t>‹#›</a:t>
             </a:fld>
             <a:endParaRPr lang="en-GB" dirty="0"/>
           </a:p>
@@ -6058,7 +6089,7 @@
           <a:p>
             <a:fld id="{3F2C29EC-BF13-463C-A228-A8B1DC07216B}" type="slidenum">
               <a:rPr lang="en-GB" smtClean="0"/>
-              <a:t>‹N›</a:t>
+              <a:t>‹#›</a:t>
             </a:fld>
             <a:endParaRPr lang="en-GB" dirty="0"/>
           </a:p>
@@ -6337,7 +6368,7 @@
           <a:p>
             <a:fld id="{3F2C29EC-BF13-463C-A228-A8B1DC07216B}" type="slidenum">
               <a:rPr lang="en-GB" smtClean="0"/>
-              <a:t>‹N›</a:t>
+              <a:t>‹#›</a:t>
             </a:fld>
             <a:endParaRPr lang="en-GB" dirty="0"/>
           </a:p>
@@ -6786,11 +6817,11 @@
       </p:sp>
       <p:pic>
         <p:nvPicPr>
-          <p:cNvPr id="4" name="linear_animation">
+          <p:cNvPr id="5" name="linear_animation">
             <a:hlinkClick r:id="" action="ppaction://media"/>
             <a:extLst>
               <a:ext uri="{FF2B5EF4-FFF2-40B4-BE49-F238E27FC236}">
-                <a16:creationId xmlns:a16="http://schemas.microsoft.com/office/drawing/2014/main" id="{7E8327E4-AD2A-4A9C-BD5F-FC93FCCB25FE}"/>
+                <a16:creationId xmlns:a16="http://schemas.microsoft.com/office/drawing/2014/main" id="{00C91B6F-320B-460F-AA85-4021DA44279C}"/>
               </a:ext>
             </a:extLst>
           </p:cNvPr>
@@ -6815,117 +6846,15 @@
         </p:blipFill>
         <p:spPr>
           <a:xfrm>
-            <a:off x="6826250" y="2433637"/>
+            <a:off x="3413125" y="2266582"/>
             <a:ext cx="5365750" cy="4024313"/>
           </a:xfrm>
         </p:spPr>
       </p:pic>
-      <p:sp>
-        <p:nvSpPr>
-          <p:cNvPr id="2" name="CasellaDiTesto 1">
-            <a:extLst>
-              <a:ext uri="{FF2B5EF4-FFF2-40B4-BE49-F238E27FC236}">
-                <a16:creationId xmlns:a16="http://schemas.microsoft.com/office/drawing/2014/main" id="{11240D27-4587-4100-83F9-D6C9DE805F83}"/>
-              </a:ext>
-            </a:extLst>
-          </p:cNvPr>
-          <p:cNvSpPr txBox="1"/>
-          <p:nvPr/>
-        </p:nvSpPr>
-        <p:spPr>
-          <a:xfrm>
-            <a:off x="1828800" y="3305262"/>
-            <a:ext cx="3431097" cy="2031325"/>
-          </a:xfrm>
-          <a:prstGeom prst="rect">
-            <a:avLst/>
-          </a:prstGeom>
-          <a:noFill/>
-        </p:spPr>
-        <p:txBody>
-          <a:bodyPr wrap="square" rtlCol="0">
-            <a:spAutoFit/>
-          </a:bodyPr>
-          <a:lstStyle/>
-          <a:p>
-            <a:r>
-              <a:rPr lang="en-US" dirty="0"/>
-              <a:t>Qui </a:t>
-            </a:r>
-            <a:r>
-              <a:rPr lang="en-US" dirty="0" err="1"/>
-              <a:t>puoi</a:t>
-            </a:r>
-            <a:r>
-              <a:rPr lang="en-US" dirty="0"/>
-              <a:t> </a:t>
-            </a:r>
-            <a:r>
-              <a:rPr lang="en-US" dirty="0" err="1"/>
-              <a:t>aggiungere</a:t>
-            </a:r>
-            <a:r>
-              <a:rPr lang="en-US" dirty="0"/>
-              <a:t> </a:t>
-            </a:r>
-            <a:r>
-              <a:rPr lang="en-US" dirty="0" err="1"/>
-              <a:t>quello</a:t>
-            </a:r>
-            <a:r>
-              <a:rPr lang="en-US" dirty="0"/>
-              <a:t> </a:t>
-            </a:r>
-            <a:r>
-              <a:rPr lang="en-US" dirty="0" err="1"/>
-              <a:t>nella</a:t>
-            </a:r>
-            <a:r>
-              <a:rPr lang="en-US" dirty="0"/>
-              <a:t> slide linear kernel (II)?</a:t>
-            </a:r>
-          </a:p>
-          <a:p>
-            <a:endParaRPr lang="en-US" dirty="0"/>
-          </a:p>
-          <a:p>
-            <a:r>
-              <a:rPr lang="en-US" dirty="0"/>
-              <a:t>I clusters </a:t>
-            </a:r>
-            <a:r>
-              <a:rPr lang="en-US" dirty="0" err="1"/>
-              <a:t>sono</a:t>
-            </a:r>
-            <a:r>
-              <a:rPr lang="en-US" dirty="0"/>
-              <a:t>:</a:t>
-            </a:r>
-          </a:p>
-          <a:p>
-            <a:r>
-              <a:rPr lang="en-US" dirty="0"/>
-              <a:t>*0.3 + [1.5, 0.5]</a:t>
-            </a:r>
-          </a:p>
-          <a:p>
-            <a:r>
-              <a:rPr lang="en-US" dirty="0"/>
-              <a:t>*0.3 + [-1.5, 0.5]</a:t>
-            </a:r>
-          </a:p>
-          <a:p>
-            <a:r>
-              <a:rPr lang="en-US" dirty="0"/>
-              <a:t>*0.3 + [0.0, -0.5]</a:t>
-            </a:r>
-          </a:p>
-        </p:txBody>
-      </p:sp>
     </p:spTree>
     <p:extLst>
       <p:ext uri="{BB962C8B-B14F-4D97-AF65-F5344CB8AC3E}">
-        <p14:creationId xmlns:p14="http://schemas.microsoft.com/office/powerpoint/2010/main" val="2507532539"/>
+        <p14:creationId xmlns:p14="http://schemas.microsoft.com/office/powerpoint/2010/main" val="1719672851"/>
       </p:ext>
     </p:extLst>
   </p:cSld>
@@ -6962,7 +6891,7 @@
                                       <p:cBhvr>
                                         <p:cTn id="6" dur="13334" fill="hold"/>
                                         <p:tgtEl>
-                                          <p:spTgt spid="4"/>
+                                          <p:spTgt spid="5"/>
                                         </p:tgtEl>
                                       </p:cBhvr>
                                     </p:cmd>
@@ -7000,7 +6929,7 @@
                   </p:stCondLst>
                 </p:cTn>
                 <p:tgtEl>
-                  <p:spTgt spid="4"/>
+                  <p:spTgt spid="5"/>
                 </p:tgtEl>
               </p:cMediaNode>
             </p:video>
@@ -7009,7 +6938,7 @@
                 <p:stCondLst>
                   <p:cond evt="onClick" delay="0">
                     <p:tgtEl>
-                      <p:spTgt spid="4"/>
+                      <p:spTgt spid="5"/>
                     </p:tgtEl>
                   </p:cond>
                 </p:stCondLst>
@@ -7039,7 +6968,7 @@
                                       <p:cBhvr>
                                         <p:cTn id="12" dur="1" fill="hold"/>
                                         <p:tgtEl>
-                                          <p:spTgt spid="4"/>
+                                          <p:spTgt spid="5"/>
                                         </p:tgtEl>
                                       </p:cBhvr>
                                     </p:cmd>
@@ -7057,7 +6986,7 @@
               <p:nextCondLst>
                 <p:cond evt="onClick" delay="0">
                   <p:tgtEl>
-                    <p:spTgt spid="4"/>
+                    <p:spTgt spid="5"/>
                   </p:tgtEl>
                 </p:cond>
               </p:nextCondLst>
@@ -7121,80 +7050,6 @@
           </a:p>
         </p:txBody>
       </p:sp>
-      <p:pic>
-        <p:nvPicPr>
-          <p:cNvPr id="4" name="polynomial_9_animation">
-            <a:hlinkClick r:id="" action="ppaction://media"/>
-            <a:extLst>
-              <a:ext uri="{FF2B5EF4-FFF2-40B4-BE49-F238E27FC236}">
-                <a16:creationId xmlns:a16="http://schemas.microsoft.com/office/drawing/2014/main" id="{E465C5BE-8859-47EF-9ADF-BBE07CE57290}"/>
-              </a:ext>
-            </a:extLst>
-          </p:cNvPr>
-          <p:cNvPicPr>
-            <a:picLocks noGrp="1" noChangeAspect="1"/>
-          </p:cNvPicPr>
-          <p:nvPr>
-            <p:ph idx="1"/>
-            <a:videoFile r:link="rId2"/>
-            <p:extLst>
-              <p:ext uri="{DAA4B4D4-6D71-4841-9C94-3DE7FCFB9230}">
-                <p14:media xmlns:p14="http://schemas.microsoft.com/office/powerpoint/2010/main" r:embed="rId1"/>
-              </p:ext>
-            </p:extLst>
-          </p:nvPr>
-        </p:nvPicPr>
-        <p:blipFill>
-          <a:blip r:embed="rId6"/>
-          <a:stretch>
-            <a:fillRect/>
-          </a:stretch>
-        </p:blipFill>
-        <p:spPr>
-          <a:xfrm>
-            <a:off x="6133572" y="2314178"/>
-            <a:ext cx="6058428" cy="4543822"/>
-          </a:xfrm>
-        </p:spPr>
-      </p:pic>
-      <p:pic>
-        <p:nvPicPr>
-          <p:cNvPr id="5" name="polynomial_3_animation">
-            <a:hlinkClick r:id="" action="ppaction://media"/>
-            <a:extLst>
-              <a:ext uri="{FF2B5EF4-FFF2-40B4-BE49-F238E27FC236}">
-                <a16:creationId xmlns:a16="http://schemas.microsoft.com/office/drawing/2014/main" id="{CD9CF6D4-3D41-456E-BC3C-408991D274E4}"/>
-              </a:ext>
-            </a:extLst>
-          </p:cNvPr>
-          <p:cNvPicPr>
-            <a:picLocks noChangeAspect="1"/>
-          </p:cNvPicPr>
-          <p:nvPr>
-            <a:videoFile r:link="rId4"/>
-            <p:extLst>
-              <p:ext uri="{DAA4B4D4-6D71-4841-9C94-3DE7FCFB9230}">
-                <p14:media xmlns:p14="http://schemas.microsoft.com/office/powerpoint/2010/main" r:embed="rId3"/>
-              </p:ext>
-            </p:extLst>
-          </p:nvPr>
-        </p:nvPicPr>
-        <p:blipFill>
-          <a:blip r:embed="rId7"/>
-          <a:stretch>
-            <a:fillRect/>
-          </a:stretch>
-        </p:blipFill>
-        <p:spPr>
-          <a:xfrm>
-            <a:off x="0" y="2296318"/>
-            <a:ext cx="6082243" cy="4561682"/>
-          </a:xfrm>
-          <a:prstGeom prst="rect">
-            <a:avLst/>
-          </a:prstGeom>
-        </p:spPr>
-      </p:pic>
       <p:sp>
         <p:nvSpPr>
           <p:cNvPr id="6" name="CasellaDiTesto 5">
@@ -7267,10 +7122,531 @@
           </a:p>
         </p:txBody>
       </p:sp>
+      <p:pic>
+        <p:nvPicPr>
+          <p:cNvPr id="3" name="polynomial_3_animation">
+            <a:hlinkClick r:id="" action="ppaction://media"/>
+            <a:extLst>
+              <a:ext uri="{FF2B5EF4-FFF2-40B4-BE49-F238E27FC236}">
+                <a16:creationId xmlns:a16="http://schemas.microsoft.com/office/drawing/2014/main" id="{335B5608-7A18-4AA0-93EB-C728D41BED21}"/>
+              </a:ext>
+            </a:extLst>
+          </p:cNvPr>
+          <p:cNvPicPr>
+            <a:picLocks noChangeAspect="1"/>
+          </p:cNvPicPr>
+          <p:nvPr>
+            <a:videoFile r:link="rId2"/>
+            <p:extLst>
+              <p:ext uri="{DAA4B4D4-6D71-4841-9C94-3DE7FCFB9230}">
+                <p14:media xmlns:p14="http://schemas.microsoft.com/office/powerpoint/2010/main" r:embed="rId1"/>
+              </p:ext>
+            </p:extLst>
+          </p:nvPr>
+        </p:nvPicPr>
+        <p:blipFill>
+          <a:blip r:embed="rId6"/>
+          <a:stretch>
+            <a:fillRect/>
+          </a:stretch>
+        </p:blipFill>
+        <p:spPr>
+          <a:xfrm>
+            <a:off x="16778" y="2314179"/>
+            <a:ext cx="6058428" cy="4543821"/>
+          </a:xfrm>
+          <a:prstGeom prst="rect">
+            <a:avLst/>
+          </a:prstGeom>
+        </p:spPr>
+      </p:pic>
+      <p:pic>
+        <p:nvPicPr>
+          <p:cNvPr id="10" name="polynomial_9_animation">
+            <a:hlinkClick r:id="" action="ppaction://media"/>
+            <a:extLst>
+              <a:ext uri="{FF2B5EF4-FFF2-40B4-BE49-F238E27FC236}">
+                <a16:creationId xmlns:a16="http://schemas.microsoft.com/office/drawing/2014/main" id="{3DAE0E2C-8949-45EE-A6DE-93A17E905B01}"/>
+              </a:ext>
+            </a:extLst>
+          </p:cNvPr>
+          <p:cNvPicPr>
+            <a:picLocks noGrp="1" noChangeAspect="1"/>
+          </p:cNvPicPr>
+          <p:nvPr>
+            <p:ph idx="1"/>
+            <a:videoFile r:link="rId4"/>
+            <p:extLst>
+              <p:ext uri="{DAA4B4D4-6D71-4841-9C94-3DE7FCFB9230}">
+                <p14:media xmlns:p14="http://schemas.microsoft.com/office/powerpoint/2010/main" r:embed="rId3"/>
+              </p:ext>
+            </p:extLst>
+          </p:nvPr>
+        </p:nvPicPr>
+        <p:blipFill>
+          <a:blip r:embed="rId7"/>
+          <a:stretch>
+            <a:fillRect/>
+          </a:stretch>
+        </p:blipFill>
+        <p:spPr>
+          <a:xfrm>
+            <a:off x="6133574" y="2314179"/>
+            <a:ext cx="6058428" cy="4543822"/>
+          </a:xfrm>
+        </p:spPr>
+      </p:pic>
     </p:spTree>
     <p:extLst>
       <p:ext uri="{BB962C8B-B14F-4D97-AF65-F5344CB8AC3E}">
-        <p14:creationId xmlns:p14="http://schemas.microsoft.com/office/powerpoint/2010/main" val="2159138862"/>
+        <p14:creationId xmlns:p14="http://schemas.microsoft.com/office/powerpoint/2010/main" val="2457965671"/>
+      </p:ext>
+    </p:extLst>
+  </p:cSld>
+  <p:clrMapOvr>
+    <a:masterClrMapping/>
+  </p:clrMapOvr>
+  <p:timing>
+    <p:tnLst>
+      <p:par>
+        <p:cTn id="1" dur="indefinite" restart="never" nodeType="tmRoot">
+          <p:childTnLst>
+            <p:seq concurrent="1" nextAc="seek">
+              <p:cTn id="2" dur="indefinite" nodeType="mainSeq">
+                <p:childTnLst>
+                  <p:par>
+                    <p:cTn id="3" fill="hold">
+                      <p:stCondLst>
+                        <p:cond delay="indefinite"/>
+                      </p:stCondLst>
+                      <p:childTnLst>
+                        <p:par>
+                          <p:cTn id="4" fill="hold">
+                            <p:stCondLst>
+                              <p:cond delay="0"/>
+                            </p:stCondLst>
+                            <p:childTnLst>
+                              <p:par>
+                                <p:cTn id="5" presetID="1" presetClass="mediacall" presetSubtype="0" fill="hold" nodeType="clickEffect">
+                                  <p:stCondLst>
+                                    <p:cond delay="0"/>
+                                  </p:stCondLst>
+                                  <p:childTnLst>
+                                    <p:cmd type="call" cmd="playFrom(0.0)">
+                                      <p:cBhvr>
+                                        <p:cTn id="6" dur="13334" fill="hold"/>
+                                        <p:tgtEl>
+                                          <p:spTgt spid="3"/>
+                                        </p:tgtEl>
+                                      </p:cBhvr>
+                                    </p:cmd>
+                                  </p:childTnLst>
+                                </p:cTn>
+                              </p:par>
+                            </p:childTnLst>
+                          </p:cTn>
+                        </p:par>
+                      </p:childTnLst>
+                    </p:cTn>
+                  </p:par>
+                  <p:par>
+                    <p:cTn id="7" fill="hold">
+                      <p:stCondLst>
+                        <p:cond delay="indefinite"/>
+                      </p:stCondLst>
+                      <p:childTnLst>
+                        <p:par>
+                          <p:cTn id="8" fill="hold">
+                            <p:stCondLst>
+                              <p:cond delay="0"/>
+                            </p:stCondLst>
+                            <p:childTnLst>
+                              <p:par>
+                                <p:cTn id="9" presetID="1" presetClass="mediacall" presetSubtype="0" fill="hold" nodeType="clickEffect">
+                                  <p:stCondLst>
+                                    <p:cond delay="0"/>
+                                  </p:stCondLst>
+                                  <p:childTnLst>
+                                    <p:cmd type="call" cmd="playFrom(0.0)">
+                                      <p:cBhvr>
+                                        <p:cTn id="10" dur="13334" fill="hold"/>
+                                        <p:tgtEl>
+                                          <p:spTgt spid="10"/>
+                                        </p:tgtEl>
+                                      </p:cBhvr>
+                                    </p:cmd>
+                                  </p:childTnLst>
+                                </p:cTn>
+                              </p:par>
+                            </p:childTnLst>
+                          </p:cTn>
+                        </p:par>
+                      </p:childTnLst>
+                    </p:cTn>
+                  </p:par>
+                </p:childTnLst>
+              </p:cTn>
+              <p:prevCondLst>
+                <p:cond evt="onPrev" delay="0">
+                  <p:tgtEl>
+                    <p:sldTgt/>
+                  </p:tgtEl>
+                </p:cond>
+              </p:prevCondLst>
+              <p:nextCondLst>
+                <p:cond evt="onNext" delay="0">
+                  <p:tgtEl>
+                    <p:sldTgt/>
+                  </p:tgtEl>
+                </p:cond>
+              </p:nextCondLst>
+            </p:seq>
+            <p:video>
+              <p:cMediaNode vol="80000">
+                <p:cTn id="11" fill="hold" display="0">
+                  <p:stCondLst>
+                    <p:cond delay="indefinite"/>
+                  </p:stCondLst>
+                </p:cTn>
+                <p:tgtEl>
+                  <p:spTgt spid="3"/>
+                </p:tgtEl>
+              </p:cMediaNode>
+            </p:video>
+            <p:seq concurrent="1" nextAc="seek">
+              <p:cTn id="12" restart="whenNotActive" fill="hold" evtFilter="cancelBubble" nodeType="interactiveSeq">
+                <p:stCondLst>
+                  <p:cond evt="onClick" delay="0">
+                    <p:tgtEl>
+                      <p:spTgt spid="3"/>
+                    </p:tgtEl>
+                  </p:cond>
+                </p:stCondLst>
+                <p:endSync evt="end" delay="0">
+                  <p:rtn val="all"/>
+                </p:endSync>
+                <p:childTnLst>
+                  <p:par>
+                    <p:cTn id="13" fill="hold">
+                      <p:stCondLst>
+                        <p:cond delay="0"/>
+                      </p:stCondLst>
+                      <p:childTnLst>
+                        <p:par>
+                          <p:cTn id="14" fill="hold">
+                            <p:stCondLst>
+                              <p:cond delay="0"/>
+                            </p:stCondLst>
+                            <p:childTnLst>
+                              <p:par>
+                                <p:cTn id="15" presetID="2" presetClass="mediacall" presetSubtype="0" fill="hold" nodeType="clickEffect">
+                                  <p:stCondLst>
+                                    <p:cond delay="0"/>
+                                  </p:stCondLst>
+                                  <p:childTnLst>
+                                    <p:cmd type="call" cmd="togglePause">
+                                      <p:cBhvr>
+                                        <p:cTn id="16" dur="1" fill="hold"/>
+                                        <p:tgtEl>
+                                          <p:spTgt spid="3"/>
+                                        </p:tgtEl>
+                                      </p:cBhvr>
+                                    </p:cmd>
+                                  </p:childTnLst>
+                                </p:cTn>
+                              </p:par>
+                            </p:childTnLst>
+                          </p:cTn>
+                        </p:par>
+                      </p:childTnLst>
+                    </p:cTn>
+                  </p:par>
+                </p:childTnLst>
+              </p:cTn>
+              <p:nextCondLst>
+                <p:cond evt="onClick" delay="0">
+                  <p:tgtEl>
+                    <p:spTgt spid="3"/>
+                  </p:tgtEl>
+                </p:cond>
+              </p:nextCondLst>
+            </p:seq>
+            <p:video>
+              <p:cMediaNode vol="80000">
+                <p:cTn id="17" fill="hold" display="0">
+                  <p:stCondLst>
+                    <p:cond delay="indefinite"/>
+                  </p:stCondLst>
+                </p:cTn>
+                <p:tgtEl>
+                  <p:spTgt spid="10"/>
+                </p:tgtEl>
+              </p:cMediaNode>
+            </p:video>
+            <p:seq concurrent="1" nextAc="seek">
+              <p:cTn id="18" restart="whenNotActive" fill="hold" evtFilter="cancelBubble" nodeType="interactiveSeq">
+                <p:stCondLst>
+                  <p:cond evt="onClick" delay="0">
+                    <p:tgtEl>
+                      <p:spTgt spid="10"/>
+                    </p:tgtEl>
+                  </p:cond>
+                </p:stCondLst>
+                <p:endSync evt="end" delay="0">
+                  <p:rtn val="all"/>
+                </p:endSync>
+                <p:childTnLst>
+                  <p:par>
+                    <p:cTn id="19" fill="hold">
+                      <p:stCondLst>
+                        <p:cond delay="0"/>
+                      </p:stCondLst>
+                      <p:childTnLst>
+                        <p:par>
+                          <p:cTn id="20" fill="hold">
+                            <p:stCondLst>
+                              <p:cond delay="0"/>
+                            </p:stCondLst>
+                            <p:childTnLst>
+                              <p:par>
+                                <p:cTn id="21" presetID="2" presetClass="mediacall" presetSubtype="0" fill="hold" nodeType="clickEffect">
+                                  <p:stCondLst>
+                                    <p:cond delay="0"/>
+                                  </p:stCondLst>
+                                  <p:childTnLst>
+                                    <p:cmd type="call" cmd="togglePause">
+                                      <p:cBhvr>
+                                        <p:cTn id="22" dur="1" fill="hold"/>
+                                        <p:tgtEl>
+                                          <p:spTgt spid="10"/>
+                                        </p:tgtEl>
+                                      </p:cBhvr>
+                                    </p:cmd>
+                                  </p:childTnLst>
+                                </p:cTn>
+                              </p:par>
+                            </p:childTnLst>
+                          </p:cTn>
+                        </p:par>
+                      </p:childTnLst>
+                    </p:cTn>
+                  </p:par>
+                </p:childTnLst>
+              </p:cTn>
+              <p:nextCondLst>
+                <p:cond evt="onClick" delay="0">
+                  <p:tgtEl>
+                    <p:spTgt spid="10"/>
+                  </p:tgtEl>
+                </p:cond>
+              </p:nextCondLst>
+            </p:seq>
+          </p:childTnLst>
+        </p:cTn>
+      </p:par>
+    </p:tnLst>
+  </p:timing>
+</p:sld>
+</file>
+
+<file path=ppt/slides/slide12.xml><?xml version="1.0" encoding="utf-8"?>
+<p:sld xmlns:a="http://schemas.openxmlformats.org/drawingml/2006/main" xmlns:r="http://schemas.openxmlformats.org/officeDocument/2006/relationships" xmlns:p="http://schemas.openxmlformats.org/presentationml/2006/main">
+  <p:cSld>
+    <p:spTree>
+      <p:nvGrpSpPr>
+        <p:cNvPr id="1" name=""/>
+        <p:cNvGrpSpPr/>
+        <p:nvPr/>
+      </p:nvGrpSpPr>
+      <p:grpSpPr>
+        <a:xfrm>
+          <a:off x="0" y="0"/>
+          <a:ext cx="0" cy="0"/>
+          <a:chOff x="0" y="0"/>
+          <a:chExt cx="0" cy="0"/>
+        </a:xfrm>
+      </p:grpSpPr>
+      <p:sp>
+        <p:nvSpPr>
+          <p:cNvPr id="2" name="Titolo 1">
+            <a:extLst>
+              <a:ext uri="{FF2B5EF4-FFF2-40B4-BE49-F238E27FC236}">
+                <a16:creationId xmlns:a16="http://schemas.microsoft.com/office/drawing/2014/main" id="{B18E07F9-A317-4C3B-B771-1987402AAA89}"/>
+              </a:ext>
+            </a:extLst>
+          </p:cNvPr>
+          <p:cNvSpPr>
+            <a:spLocks noGrp="1"/>
+          </p:cNvSpPr>
+          <p:nvPr>
+            <p:ph type="title"/>
+          </p:nvPr>
+        </p:nvSpPr>
+        <p:spPr/>
+        <p:txBody>
+          <a:bodyPr/>
+          <a:lstStyle/>
+          <a:p>
+            <a:r>
+              <a:rPr lang="en-GB" b="1" dirty="0"/>
+              <a:t>Slack parameter C - RBF</a:t>
+            </a:r>
+            <a:endParaRPr lang="en-GB" dirty="0"/>
+          </a:p>
+        </p:txBody>
+      </p:sp>
+      <p:sp>
+        <p:nvSpPr>
+          <p:cNvPr id="9" name="CasellaDiTesto 8">
+            <a:extLst>
+              <a:ext uri="{FF2B5EF4-FFF2-40B4-BE49-F238E27FC236}">
+                <a16:creationId xmlns:a16="http://schemas.microsoft.com/office/drawing/2014/main" id="{0AA9299D-E6AB-4017-B3E4-70F609EE4A7E}"/>
+              </a:ext>
+            </a:extLst>
+          </p:cNvPr>
+          <p:cNvSpPr txBox="1"/>
+          <p:nvPr/>
+        </p:nvSpPr>
+        <p:spPr>
+          <a:xfrm>
+            <a:off x="692368" y="1942889"/>
+            <a:ext cx="4697506" cy="369332"/>
+          </a:xfrm>
+          <a:prstGeom prst="rect">
+            <a:avLst/>
+          </a:prstGeom>
+          <a:noFill/>
+        </p:spPr>
+        <p:txBody>
+          <a:bodyPr wrap="square" rtlCol="0">
+            <a:spAutoFit/>
+          </a:bodyPr>
+          <a:lstStyle/>
+          <a:p>
+            <a:pPr algn="ctr"/>
+            <a:r>
+              <a:rPr lang="en-GB" b="1" dirty="0"/>
+              <a:t>  σ = 0.5</a:t>
+            </a:r>
+          </a:p>
+        </p:txBody>
+      </p:sp>
+      <p:sp>
+        <p:nvSpPr>
+          <p:cNvPr id="12" name="CasellaDiTesto 11">
+            <a:extLst>
+              <a:ext uri="{FF2B5EF4-FFF2-40B4-BE49-F238E27FC236}">
+                <a16:creationId xmlns:a16="http://schemas.microsoft.com/office/drawing/2014/main" id="{41A21872-25D0-4821-8DB2-64941101FBE1}"/>
+              </a:ext>
+            </a:extLst>
+          </p:cNvPr>
+          <p:cNvSpPr txBox="1"/>
+          <p:nvPr/>
+        </p:nvSpPr>
+        <p:spPr>
+          <a:xfrm>
+            <a:off x="6802128" y="1942889"/>
+            <a:ext cx="4843025" cy="369332"/>
+          </a:xfrm>
+          <a:prstGeom prst="rect">
+            <a:avLst/>
+          </a:prstGeom>
+          <a:noFill/>
+        </p:spPr>
+        <p:txBody>
+          <a:bodyPr wrap="square" rtlCol="0">
+            <a:spAutoFit/>
+          </a:bodyPr>
+          <a:lstStyle/>
+          <a:p>
+            <a:pPr algn="ctr"/>
+            <a:r>
+              <a:rPr lang="en-GB" b="1" dirty="0"/>
+              <a:t>σ = 1.5</a:t>
+            </a:r>
+          </a:p>
+        </p:txBody>
+      </p:sp>
+      <p:pic>
+        <p:nvPicPr>
+          <p:cNvPr id="4" name="radial_0_5_animation">
+            <a:hlinkClick r:id="" action="ppaction://media"/>
+            <a:extLst>
+              <a:ext uri="{FF2B5EF4-FFF2-40B4-BE49-F238E27FC236}">
+                <a16:creationId xmlns:a16="http://schemas.microsoft.com/office/drawing/2014/main" id="{AC03D4C1-41D7-4E47-97C0-0A17EFA965F0}"/>
+              </a:ext>
+            </a:extLst>
+          </p:cNvPr>
+          <p:cNvPicPr>
+            <a:picLocks noChangeAspect="1"/>
+          </p:cNvPicPr>
+          <p:nvPr>
+            <a:videoFile r:link="rId2"/>
+            <p:extLst>
+              <p:ext uri="{DAA4B4D4-6D71-4841-9C94-3DE7FCFB9230}">
+                <p14:media xmlns:p14="http://schemas.microsoft.com/office/powerpoint/2010/main" r:embed="rId1"/>
+              </p:ext>
+            </p:extLst>
+          </p:nvPr>
+        </p:nvPicPr>
+        <p:blipFill>
+          <a:blip r:embed="rId6"/>
+          <a:stretch>
+            <a:fillRect/>
+          </a:stretch>
+        </p:blipFill>
+        <p:spPr>
+          <a:xfrm>
+            <a:off x="-1" y="2296318"/>
+            <a:ext cx="6082243" cy="4561682"/>
+          </a:xfrm>
+          <a:prstGeom prst="rect">
+            <a:avLst/>
+          </a:prstGeom>
+        </p:spPr>
+      </p:pic>
+      <p:pic>
+        <p:nvPicPr>
+          <p:cNvPr id="5" name="radial_1_5_animation">
+            <a:hlinkClick r:id="" action="ppaction://media"/>
+            <a:extLst>
+              <a:ext uri="{FF2B5EF4-FFF2-40B4-BE49-F238E27FC236}">
+                <a16:creationId xmlns:a16="http://schemas.microsoft.com/office/drawing/2014/main" id="{4921DA12-8698-44C8-9B6B-FF752B3A0905}"/>
+              </a:ext>
+            </a:extLst>
+          </p:cNvPr>
+          <p:cNvPicPr>
+            <a:picLocks noChangeAspect="1"/>
+          </p:cNvPicPr>
+          <p:nvPr>
+            <a:videoFile r:link="rId4"/>
+            <p:extLst>
+              <p:ext uri="{DAA4B4D4-6D71-4841-9C94-3DE7FCFB9230}">
+                <p14:media xmlns:p14="http://schemas.microsoft.com/office/powerpoint/2010/main" r:embed="rId3"/>
+              </p:ext>
+            </p:extLst>
+          </p:nvPr>
+        </p:nvPicPr>
+        <p:blipFill>
+          <a:blip r:embed="rId7"/>
+          <a:stretch>
+            <a:fillRect/>
+          </a:stretch>
+        </p:blipFill>
+        <p:spPr>
+          <a:xfrm>
+            <a:off x="6109760" y="2321485"/>
+            <a:ext cx="6082243" cy="4561682"/>
+          </a:xfrm>
+          <a:prstGeom prst="rect">
+            <a:avLst/>
+          </a:prstGeom>
+        </p:spPr>
+      </p:pic>
+    </p:spTree>
+    <p:extLst>
+      <p:ext uri="{BB962C8B-B14F-4D97-AF65-F5344CB8AC3E}">
+        <p14:creationId xmlns:p14="http://schemas.microsoft.com/office/powerpoint/2010/main" val="2620067442"/>
       </p:ext>
     </p:extLst>
   </p:cSld>
@@ -7508,453 +7884,6 @@
                 <p:cond evt="onClick" delay="0">
                   <p:tgtEl>
                     <p:spTgt spid="5"/>
-                  </p:tgtEl>
-                </p:cond>
-              </p:nextCondLst>
-            </p:seq>
-          </p:childTnLst>
-        </p:cTn>
-      </p:par>
-    </p:tnLst>
-  </p:timing>
-</p:sld>
-</file>
-
-<file path=ppt/slides/slide12.xml><?xml version="1.0" encoding="utf-8"?>
-<p:sld xmlns:a="http://schemas.openxmlformats.org/drawingml/2006/main" xmlns:r="http://schemas.openxmlformats.org/officeDocument/2006/relationships" xmlns:p="http://schemas.openxmlformats.org/presentationml/2006/main">
-  <p:cSld>
-    <p:spTree>
-      <p:nvGrpSpPr>
-        <p:cNvPr id="1" name=""/>
-        <p:cNvGrpSpPr/>
-        <p:nvPr/>
-      </p:nvGrpSpPr>
-      <p:grpSpPr>
-        <a:xfrm>
-          <a:off x="0" y="0"/>
-          <a:ext cx="0" cy="0"/>
-          <a:chOff x="0" y="0"/>
-          <a:chExt cx="0" cy="0"/>
-        </a:xfrm>
-      </p:grpSpPr>
-      <p:sp>
-        <p:nvSpPr>
-          <p:cNvPr id="2" name="Titolo 1">
-            <a:extLst>
-              <a:ext uri="{FF2B5EF4-FFF2-40B4-BE49-F238E27FC236}">
-                <a16:creationId xmlns:a16="http://schemas.microsoft.com/office/drawing/2014/main" id="{B18E07F9-A317-4C3B-B771-1987402AAA89}"/>
-              </a:ext>
-            </a:extLst>
-          </p:cNvPr>
-          <p:cNvSpPr>
-            <a:spLocks noGrp="1"/>
-          </p:cNvSpPr>
-          <p:nvPr>
-            <p:ph type="title"/>
-          </p:nvPr>
-        </p:nvSpPr>
-        <p:spPr/>
-        <p:txBody>
-          <a:bodyPr/>
-          <a:lstStyle/>
-          <a:p>
-            <a:r>
-              <a:rPr lang="en-GB" b="1" dirty="0"/>
-              <a:t>Slack parameter C - RBF</a:t>
-            </a:r>
-            <a:endParaRPr lang="en-GB" dirty="0"/>
-          </a:p>
-        </p:txBody>
-      </p:sp>
-      <p:pic>
-        <p:nvPicPr>
-          <p:cNvPr id="3" name="radial_0_5_animation">
-            <a:hlinkClick r:id="" action="ppaction://media"/>
-            <a:extLst>
-              <a:ext uri="{FF2B5EF4-FFF2-40B4-BE49-F238E27FC236}">
-                <a16:creationId xmlns:a16="http://schemas.microsoft.com/office/drawing/2014/main" id="{46959962-C19F-4C3E-B53F-CF79E43FDAE3}"/>
-              </a:ext>
-            </a:extLst>
-          </p:cNvPr>
-          <p:cNvPicPr>
-            <a:picLocks noChangeAspect="1"/>
-          </p:cNvPicPr>
-          <p:nvPr>
-            <a:videoFile r:link="rId2"/>
-            <p:extLst>
-              <p:ext uri="{DAA4B4D4-6D71-4841-9C94-3DE7FCFB9230}">
-                <p14:media xmlns:p14="http://schemas.microsoft.com/office/powerpoint/2010/main" r:embed="rId1"/>
-              </p:ext>
-            </p:extLst>
-          </p:nvPr>
-        </p:nvPicPr>
-        <p:blipFill>
-          <a:blip r:embed="rId6"/>
-          <a:stretch>
-            <a:fillRect/>
-          </a:stretch>
-        </p:blipFill>
-        <p:spPr>
-          <a:xfrm>
-            <a:off x="13757" y="2264939"/>
-            <a:ext cx="6082243" cy="4561682"/>
-          </a:xfrm>
-          <a:prstGeom prst="rect">
-            <a:avLst/>
-          </a:prstGeom>
-        </p:spPr>
-      </p:pic>
-      <p:pic>
-        <p:nvPicPr>
-          <p:cNvPr id="6" name="radial_1_5_animation">
-            <a:hlinkClick r:id="" action="ppaction://media"/>
-            <a:extLst>
-              <a:ext uri="{FF2B5EF4-FFF2-40B4-BE49-F238E27FC236}">
-                <a16:creationId xmlns:a16="http://schemas.microsoft.com/office/drawing/2014/main" id="{469A8D01-FE2C-43BD-9C46-C52695C5988F}"/>
-              </a:ext>
-            </a:extLst>
-          </p:cNvPr>
-          <p:cNvPicPr>
-            <a:picLocks noChangeAspect="1"/>
-          </p:cNvPicPr>
-          <p:nvPr>
-            <a:videoFile r:link="rId4"/>
-            <p:extLst>
-              <p:ext uri="{DAA4B4D4-6D71-4841-9C94-3DE7FCFB9230}">
-                <p14:media xmlns:p14="http://schemas.microsoft.com/office/powerpoint/2010/main" r:embed="rId3"/>
-              </p:ext>
-            </p:extLst>
-          </p:nvPr>
-        </p:nvPicPr>
-        <p:blipFill>
-          <a:blip r:embed="rId7"/>
-          <a:stretch>
-            <a:fillRect/>
-          </a:stretch>
-        </p:blipFill>
-        <p:spPr>
-          <a:xfrm>
-            <a:off x="6109757" y="2296318"/>
-            <a:ext cx="6082243" cy="4561682"/>
-          </a:xfrm>
-          <a:prstGeom prst="rect">
-            <a:avLst/>
-          </a:prstGeom>
-        </p:spPr>
-      </p:pic>
-      <p:sp>
-        <p:nvSpPr>
-          <p:cNvPr id="9" name="CasellaDiTesto 8">
-            <a:extLst>
-              <a:ext uri="{FF2B5EF4-FFF2-40B4-BE49-F238E27FC236}">
-                <a16:creationId xmlns:a16="http://schemas.microsoft.com/office/drawing/2014/main" id="{0AA9299D-E6AB-4017-B3E4-70F609EE4A7E}"/>
-              </a:ext>
-            </a:extLst>
-          </p:cNvPr>
-          <p:cNvSpPr txBox="1"/>
-          <p:nvPr/>
-        </p:nvSpPr>
-        <p:spPr>
-          <a:xfrm>
-            <a:off x="692368" y="1942889"/>
-            <a:ext cx="4697506" cy="369332"/>
-          </a:xfrm>
-          <a:prstGeom prst="rect">
-            <a:avLst/>
-          </a:prstGeom>
-          <a:noFill/>
-        </p:spPr>
-        <p:txBody>
-          <a:bodyPr wrap="square" rtlCol="0">
-            <a:spAutoFit/>
-          </a:bodyPr>
-          <a:lstStyle/>
-          <a:p>
-            <a:pPr algn="ctr"/>
-            <a:r>
-              <a:rPr lang="en-GB" b="1" dirty="0"/>
-              <a:t>σ = 0.5</a:t>
-            </a:r>
-          </a:p>
-        </p:txBody>
-      </p:sp>
-      <p:sp>
-        <p:nvSpPr>
-          <p:cNvPr id="12" name="CasellaDiTesto 11">
-            <a:extLst>
-              <a:ext uri="{FF2B5EF4-FFF2-40B4-BE49-F238E27FC236}">
-                <a16:creationId xmlns:a16="http://schemas.microsoft.com/office/drawing/2014/main" id="{41A21872-25D0-4821-8DB2-64941101FBE1}"/>
-              </a:ext>
-            </a:extLst>
-          </p:cNvPr>
-          <p:cNvSpPr txBox="1"/>
-          <p:nvPr/>
-        </p:nvSpPr>
-        <p:spPr>
-          <a:xfrm>
-            <a:off x="6947647" y="1942889"/>
-            <a:ext cx="4697506" cy="369332"/>
-          </a:xfrm>
-          <a:prstGeom prst="rect">
-            <a:avLst/>
-          </a:prstGeom>
-          <a:noFill/>
-        </p:spPr>
-        <p:txBody>
-          <a:bodyPr wrap="square" rtlCol="0">
-            <a:spAutoFit/>
-          </a:bodyPr>
-          <a:lstStyle/>
-          <a:p>
-            <a:pPr algn="ctr"/>
-            <a:r>
-              <a:rPr lang="en-GB" b="1" dirty="0"/>
-              <a:t>σ = 1.5</a:t>
-            </a:r>
-          </a:p>
-        </p:txBody>
-      </p:sp>
-    </p:spTree>
-    <p:extLst>
-      <p:ext uri="{BB962C8B-B14F-4D97-AF65-F5344CB8AC3E}">
-        <p14:creationId xmlns:p14="http://schemas.microsoft.com/office/powerpoint/2010/main" val="4039045887"/>
-      </p:ext>
-    </p:extLst>
-  </p:cSld>
-  <p:clrMapOvr>
-    <a:masterClrMapping/>
-  </p:clrMapOvr>
-  <p:timing>
-    <p:tnLst>
-      <p:par>
-        <p:cTn id="1" dur="indefinite" restart="never" nodeType="tmRoot">
-          <p:childTnLst>
-            <p:seq concurrent="1" nextAc="seek">
-              <p:cTn id="2" dur="indefinite" nodeType="mainSeq">
-                <p:childTnLst>
-                  <p:par>
-                    <p:cTn id="3" fill="hold">
-                      <p:stCondLst>
-                        <p:cond delay="indefinite"/>
-                      </p:stCondLst>
-                      <p:childTnLst>
-                        <p:par>
-                          <p:cTn id="4" fill="hold">
-                            <p:stCondLst>
-                              <p:cond delay="0"/>
-                            </p:stCondLst>
-                            <p:childTnLst>
-                              <p:par>
-                                <p:cTn id="5" presetID="1" presetClass="mediacall" presetSubtype="0" fill="hold" nodeType="clickEffect">
-                                  <p:stCondLst>
-                                    <p:cond delay="0"/>
-                                  </p:stCondLst>
-                                  <p:childTnLst>
-                                    <p:cmd type="call" cmd="playFrom(0.0)">
-                                      <p:cBhvr>
-                                        <p:cTn id="6" dur="13334" fill="hold"/>
-                                        <p:tgtEl>
-                                          <p:spTgt spid="3"/>
-                                        </p:tgtEl>
-                                      </p:cBhvr>
-                                    </p:cmd>
-                                  </p:childTnLst>
-                                </p:cTn>
-                              </p:par>
-                            </p:childTnLst>
-                          </p:cTn>
-                        </p:par>
-                      </p:childTnLst>
-                    </p:cTn>
-                  </p:par>
-                  <p:par>
-                    <p:cTn id="7" fill="hold">
-                      <p:stCondLst>
-                        <p:cond delay="indefinite"/>
-                      </p:stCondLst>
-                      <p:childTnLst>
-                        <p:par>
-                          <p:cTn id="8" fill="hold">
-                            <p:stCondLst>
-                              <p:cond delay="0"/>
-                            </p:stCondLst>
-                            <p:childTnLst>
-                              <p:par>
-                                <p:cTn id="9" presetID="1" presetClass="mediacall" presetSubtype="0" fill="hold" nodeType="clickEffect">
-                                  <p:stCondLst>
-                                    <p:cond delay="0"/>
-                                  </p:stCondLst>
-                                  <p:childTnLst>
-                                    <p:cmd type="call" cmd="playFrom(0.0)">
-                                      <p:cBhvr>
-                                        <p:cTn id="10" dur="13334" fill="hold"/>
-                                        <p:tgtEl>
-                                          <p:spTgt spid="6"/>
-                                        </p:tgtEl>
-                                      </p:cBhvr>
-                                    </p:cmd>
-                                  </p:childTnLst>
-                                </p:cTn>
-                              </p:par>
-                            </p:childTnLst>
-                          </p:cTn>
-                        </p:par>
-                      </p:childTnLst>
-                    </p:cTn>
-                  </p:par>
-                </p:childTnLst>
-              </p:cTn>
-              <p:prevCondLst>
-                <p:cond evt="onPrev" delay="0">
-                  <p:tgtEl>
-                    <p:sldTgt/>
-                  </p:tgtEl>
-                </p:cond>
-              </p:prevCondLst>
-              <p:nextCondLst>
-                <p:cond evt="onNext" delay="0">
-                  <p:tgtEl>
-                    <p:sldTgt/>
-                  </p:tgtEl>
-                </p:cond>
-              </p:nextCondLst>
-            </p:seq>
-            <p:video>
-              <p:cMediaNode vol="80000">
-                <p:cTn id="11" fill="hold" display="0">
-                  <p:stCondLst>
-                    <p:cond delay="indefinite"/>
-                  </p:stCondLst>
-                </p:cTn>
-                <p:tgtEl>
-                  <p:spTgt spid="3"/>
-                </p:tgtEl>
-              </p:cMediaNode>
-            </p:video>
-            <p:seq concurrent="1" nextAc="seek">
-              <p:cTn id="12" restart="whenNotActive" fill="hold" evtFilter="cancelBubble" nodeType="interactiveSeq">
-                <p:stCondLst>
-                  <p:cond evt="onClick" delay="0">
-                    <p:tgtEl>
-                      <p:spTgt spid="3"/>
-                    </p:tgtEl>
-                  </p:cond>
-                </p:stCondLst>
-                <p:endSync evt="end" delay="0">
-                  <p:rtn val="all"/>
-                </p:endSync>
-                <p:childTnLst>
-                  <p:par>
-                    <p:cTn id="13" fill="hold">
-                      <p:stCondLst>
-                        <p:cond delay="0"/>
-                      </p:stCondLst>
-                      <p:childTnLst>
-                        <p:par>
-                          <p:cTn id="14" fill="hold">
-                            <p:stCondLst>
-                              <p:cond delay="0"/>
-                            </p:stCondLst>
-                            <p:childTnLst>
-                              <p:par>
-                                <p:cTn id="15" presetID="2" presetClass="mediacall" presetSubtype="0" fill="hold" nodeType="clickEffect">
-                                  <p:stCondLst>
-                                    <p:cond delay="0"/>
-                                  </p:stCondLst>
-                                  <p:childTnLst>
-                                    <p:cmd type="call" cmd="togglePause">
-                                      <p:cBhvr>
-                                        <p:cTn id="16" dur="1" fill="hold"/>
-                                        <p:tgtEl>
-                                          <p:spTgt spid="3"/>
-                                        </p:tgtEl>
-                                      </p:cBhvr>
-                                    </p:cmd>
-                                  </p:childTnLst>
-                                </p:cTn>
-                              </p:par>
-                            </p:childTnLst>
-                          </p:cTn>
-                        </p:par>
-                      </p:childTnLst>
-                    </p:cTn>
-                  </p:par>
-                </p:childTnLst>
-              </p:cTn>
-              <p:nextCondLst>
-                <p:cond evt="onClick" delay="0">
-                  <p:tgtEl>
-                    <p:spTgt spid="3"/>
-                  </p:tgtEl>
-                </p:cond>
-              </p:nextCondLst>
-            </p:seq>
-            <p:video>
-              <p:cMediaNode vol="80000">
-                <p:cTn id="17" fill="hold" display="0">
-                  <p:stCondLst>
-                    <p:cond delay="indefinite"/>
-                  </p:stCondLst>
-                </p:cTn>
-                <p:tgtEl>
-                  <p:spTgt spid="6"/>
-                </p:tgtEl>
-              </p:cMediaNode>
-            </p:video>
-            <p:seq concurrent="1" nextAc="seek">
-              <p:cTn id="18" restart="whenNotActive" fill="hold" evtFilter="cancelBubble" nodeType="interactiveSeq">
-                <p:stCondLst>
-                  <p:cond evt="onClick" delay="0">
-                    <p:tgtEl>
-                      <p:spTgt spid="6"/>
-                    </p:tgtEl>
-                  </p:cond>
-                </p:stCondLst>
-                <p:endSync evt="end" delay="0">
-                  <p:rtn val="all"/>
-                </p:endSync>
-                <p:childTnLst>
-                  <p:par>
-                    <p:cTn id="19" fill="hold">
-                      <p:stCondLst>
-                        <p:cond delay="0"/>
-                      </p:stCondLst>
-                      <p:childTnLst>
-                        <p:par>
-                          <p:cTn id="20" fill="hold">
-                            <p:stCondLst>
-                              <p:cond delay="0"/>
-                            </p:stCondLst>
-                            <p:childTnLst>
-                              <p:par>
-                                <p:cTn id="21" presetID="2" presetClass="mediacall" presetSubtype="0" fill="hold" nodeType="clickEffect">
-                                  <p:stCondLst>
-                                    <p:cond delay="0"/>
-                                  </p:stCondLst>
-                                  <p:childTnLst>
-                                    <p:cmd type="call" cmd="togglePause">
-                                      <p:cBhvr>
-                                        <p:cTn id="22" dur="1" fill="hold"/>
-                                        <p:tgtEl>
-                                          <p:spTgt spid="6"/>
-                                        </p:tgtEl>
-                                      </p:cBhvr>
-                                    </p:cmd>
-                                  </p:childTnLst>
-                                </p:cTn>
-                              </p:par>
-                            </p:childTnLst>
-                          </p:cTn>
-                        </p:par>
-                      </p:childTnLst>
-                    </p:cTn>
-                  </p:par>
-                </p:childTnLst>
-              </p:cTn>
-              <p:nextCondLst>
-                <p:cond evt="onClick" delay="0">
-                  <p:tgtEl>
-                    <p:spTgt spid="6"/>
                   </p:tgtEl>
                 </p:cond>
               </p:nextCondLst>
